--- a/IT_introduction_2021/material/other_exercises.pptx
+++ b/IT_introduction_2021/material/other_exercises.pptx
@@ -3782,7 +3782,17 @@
             </a:pPr>
             <a:r>
               <a:rPr lang="it-IT" sz="1600" dirty="0"/>
-              <a:t>Stampare l’array ¢ Contare quanti multipli di 3 sono presenti nell’array</a:t>
+              <a:t>Stampare l’array</a:t>
+            </a:r>
+          </a:p>
+          <a:p>
+            <a:pPr marL="914400" lvl="1" indent="-457200">
+              <a:buFont typeface="+mj-lt"/>
+              <a:buAutoNum type="arabicPeriod"/>
+            </a:pPr>
+            <a:r>
+              <a:rPr lang="it-IT" sz="1600" dirty="0"/>
+              <a:t>Contare quanti multipli di 3 sono presenti nell’array</a:t>
             </a:r>
           </a:p>
           <a:p>

--- a/IT_introduction_2021/material/other_exercises.pptx
+++ b/IT_introduction_2021/material/other_exercises.pptx
@@ -8,7 +8,6 @@
     <p:sldId id="256" r:id="rId2"/>
     <p:sldId id="257" r:id="rId3"/>
     <p:sldId id="258" r:id="rId4"/>
-    <p:sldId id="259" r:id="rId5"/>
   </p:sldIdLst>
   <p:sldSz cx="12192000" cy="6858000"/>
   <p:notesSz cx="6858000" cy="9144000"/>
@@ -262,7 +261,7 @@
           <a:p>
             <a:fld id="{D8B7E551-822F-4896-9EDE-9E8F0CB865CE}" type="datetimeFigureOut">
               <a:rPr lang="it-IT" smtClean="0"/>
-              <a:t>25/10/2021</a:t>
+              <a:t>26/10/2021</a:t>
             </a:fld>
             <a:endParaRPr lang="it-IT"/>
           </a:p>
@@ -460,7 +459,7 @@
           <a:p>
             <a:fld id="{D8B7E551-822F-4896-9EDE-9E8F0CB865CE}" type="datetimeFigureOut">
               <a:rPr lang="it-IT" smtClean="0"/>
-              <a:t>25/10/2021</a:t>
+              <a:t>26/10/2021</a:t>
             </a:fld>
             <a:endParaRPr lang="it-IT"/>
           </a:p>
@@ -668,7 +667,7 @@
           <a:p>
             <a:fld id="{D8B7E551-822F-4896-9EDE-9E8F0CB865CE}" type="datetimeFigureOut">
               <a:rPr lang="it-IT" smtClean="0"/>
-              <a:t>25/10/2021</a:t>
+              <a:t>26/10/2021</a:t>
             </a:fld>
             <a:endParaRPr lang="it-IT"/>
           </a:p>
@@ -866,7 +865,7 @@
           <a:p>
             <a:fld id="{D8B7E551-822F-4896-9EDE-9E8F0CB865CE}" type="datetimeFigureOut">
               <a:rPr lang="it-IT" smtClean="0"/>
-              <a:t>25/10/2021</a:t>
+              <a:t>26/10/2021</a:t>
             </a:fld>
             <a:endParaRPr lang="it-IT"/>
           </a:p>
@@ -1141,7 +1140,7 @@
           <a:p>
             <a:fld id="{D8B7E551-822F-4896-9EDE-9E8F0CB865CE}" type="datetimeFigureOut">
               <a:rPr lang="it-IT" smtClean="0"/>
-              <a:t>25/10/2021</a:t>
+              <a:t>26/10/2021</a:t>
             </a:fld>
             <a:endParaRPr lang="it-IT"/>
           </a:p>
@@ -1406,7 +1405,7 @@
           <a:p>
             <a:fld id="{D8B7E551-822F-4896-9EDE-9E8F0CB865CE}" type="datetimeFigureOut">
               <a:rPr lang="it-IT" smtClean="0"/>
-              <a:t>25/10/2021</a:t>
+              <a:t>26/10/2021</a:t>
             </a:fld>
             <a:endParaRPr lang="it-IT"/>
           </a:p>
@@ -1818,7 +1817,7 @@
           <a:p>
             <a:fld id="{D8B7E551-822F-4896-9EDE-9E8F0CB865CE}" type="datetimeFigureOut">
               <a:rPr lang="it-IT" smtClean="0"/>
-              <a:t>25/10/2021</a:t>
+              <a:t>26/10/2021</a:t>
             </a:fld>
             <a:endParaRPr lang="it-IT"/>
           </a:p>
@@ -1959,7 +1958,7 @@
           <a:p>
             <a:fld id="{D8B7E551-822F-4896-9EDE-9E8F0CB865CE}" type="datetimeFigureOut">
               <a:rPr lang="it-IT" smtClean="0"/>
-              <a:t>25/10/2021</a:t>
+              <a:t>26/10/2021</a:t>
             </a:fld>
             <a:endParaRPr lang="it-IT"/>
           </a:p>
@@ -2072,7 +2071,7 @@
           <a:p>
             <a:fld id="{D8B7E551-822F-4896-9EDE-9E8F0CB865CE}" type="datetimeFigureOut">
               <a:rPr lang="it-IT" smtClean="0"/>
-              <a:t>25/10/2021</a:t>
+              <a:t>26/10/2021</a:t>
             </a:fld>
             <a:endParaRPr lang="it-IT"/>
           </a:p>
@@ -2383,7 +2382,7 @@
           <a:p>
             <a:fld id="{D8B7E551-822F-4896-9EDE-9E8F0CB865CE}" type="datetimeFigureOut">
               <a:rPr lang="it-IT" smtClean="0"/>
-              <a:t>25/10/2021</a:t>
+              <a:t>26/10/2021</a:t>
             </a:fld>
             <a:endParaRPr lang="it-IT"/>
           </a:p>
@@ -2671,7 +2670,7 @@
           <a:p>
             <a:fld id="{D8B7E551-822F-4896-9EDE-9E8F0CB865CE}" type="datetimeFigureOut">
               <a:rPr lang="it-IT" smtClean="0"/>
-              <a:t>25/10/2021</a:t>
+              <a:t>26/10/2021</a:t>
             </a:fld>
             <a:endParaRPr lang="it-IT"/>
           </a:p>
@@ -2912,7 +2911,7 @@
           <a:p>
             <a:fld id="{D8B7E551-822F-4896-9EDE-9E8F0CB865CE}" type="datetimeFigureOut">
               <a:rPr lang="it-IT" smtClean="0"/>
-              <a:t>25/10/2021</a:t>
+              <a:t>26/10/2021</a:t>
             </a:fld>
             <a:endParaRPr lang="it-IT"/>
           </a:p>
@@ -3706,7 +3705,7 @@
                 <a:latin typeface="Amatic SC" panose="00000500000000000000" pitchFamily="2" charset="-79"/>
                 <a:cs typeface="Amatic SC" panose="00000500000000000000" pitchFamily="2" charset="-79"/>
               </a:rPr>
-              <a:t>Some more exercises in C :)</a:t>
+              <a:t>Some more exercises in C using pointers :)</a:t>
             </a:r>
             <a:endParaRPr lang="it-IT" sz="5400" b="1" dirty="0">
               <a:latin typeface="Amatic SC" panose="00000500000000000000" pitchFamily="2" charset="-79"/>
@@ -3744,98 +3743,19 @@
             </a:pPr>
             <a:r>
               <a:rPr lang="it-IT" sz="2000" dirty="0"/>
-              <a:t>Completare i seguenti passi:</a:t>
-            </a:r>
-          </a:p>
-          <a:p>
-            <a:pPr marL="914400" lvl="1" indent="-457200">
+              <a:t>Scrivere una funzione che riceve due numeri interi positivi e calcola l'elevamento a potenza del primo rispetto al secondo.</a:t>
+            </a:r>
+          </a:p>
+          <a:p>
+            <a:pPr marL="457200" indent="-457200">
               <a:buFont typeface="+mj-lt"/>
-              <a:buAutoNum type="arabicPeriod"/>
+              <a:buAutoNum type="arabicPeriod" startAt="5"/>
             </a:pPr>
             <a:r>
-              <a:rPr lang="it-IT" sz="1600" dirty="0"/>
-              <a:t>Creare dinamicamente un array di </a:t>
-            </a:r>
-            <a:r>
-              <a:rPr lang="it-IT" sz="1600" dirty="0" err="1"/>
-              <a:t>int</a:t>
-            </a:r>
-            <a:r>
-              <a:rPr lang="it-IT" sz="1600" dirty="0"/>
-              <a:t> di dimensione specificata dall’utente</a:t>
-            </a:r>
-          </a:p>
-          <a:p>
-            <a:pPr marL="914400" lvl="1" indent="-457200">
-              <a:buFont typeface="+mj-lt"/>
-              <a:buAutoNum type="arabicPeriod"/>
-            </a:pPr>
-            <a:r>
-              <a:rPr lang="it-IT" sz="1600" dirty="0"/>
-              <a:t>Riempire l’array con valori random tra 0 e 9 (estremi inclusi)</a:t>
-            </a:r>
-          </a:p>
-          <a:p>
-            <a:pPr marL="914400" lvl="1" indent="-457200">
-              <a:buFont typeface="+mj-lt"/>
-              <a:buAutoNum type="arabicPeriod"/>
-            </a:pPr>
-            <a:r>
-              <a:rPr lang="it-IT" sz="1600" dirty="0"/>
-              <a:t>Stampare l’array</a:t>
-            </a:r>
-          </a:p>
-          <a:p>
-            <a:pPr marL="914400" lvl="1" indent="-457200">
-              <a:buFont typeface="+mj-lt"/>
-              <a:buAutoNum type="arabicPeriod"/>
-            </a:pPr>
-            <a:r>
-              <a:rPr lang="it-IT" sz="1600" dirty="0"/>
-              <a:t>Contare quanti multipli di 3 sono presenti nell’array</a:t>
-            </a:r>
-          </a:p>
-          <a:p>
-            <a:pPr marL="914400" lvl="1" indent="-457200">
-              <a:buFont typeface="+mj-lt"/>
-              <a:buAutoNum type="arabicPeriod"/>
-            </a:pPr>
-            <a:r>
-              <a:rPr lang="it-IT" sz="1600" dirty="0" err="1"/>
-              <a:t>Reallocare</a:t>
-            </a:r>
-            <a:r>
-              <a:rPr lang="it-IT" sz="1600" dirty="0"/>
-              <a:t> l’array aggiungendo un elemento ed inserire in ultima posizione il numero di multipli di 3 presenti</a:t>
-            </a:r>
-          </a:p>
-          <a:p>
-            <a:pPr marL="914400" lvl="1" indent="-457200">
-              <a:buFont typeface="+mj-lt"/>
-              <a:buAutoNum type="arabicPeriod"/>
-            </a:pPr>
-            <a:r>
-              <a:rPr lang="it-IT" sz="1600" dirty="0" err="1"/>
-              <a:t>Reallocare</a:t>
-            </a:r>
-            <a:r>
-              <a:rPr lang="it-IT" sz="1600" dirty="0"/>
-              <a:t> l’array aggiungendo un ulteriore elemento ed inserire in prima posizione il numero di multipli di 3 presenti</a:t>
-            </a:r>
-          </a:p>
-          <a:p>
-            <a:pPr marL="914400" lvl="1" indent="-457200">
-              <a:buFont typeface="+mj-lt"/>
-              <a:buAutoNum type="arabicPeriod"/>
-            </a:pPr>
-            <a:r>
-              <a:rPr lang="it-IT" sz="1600" dirty="0" err="1"/>
-              <a:t>Deallocare</a:t>
-            </a:r>
-            <a:r>
-              <a:rPr lang="it-IT" sz="1600" dirty="0"/>
-              <a:t> la memoria dinamica</a:t>
-            </a:r>
+              <a:rPr lang="it-IT" sz="2000" dirty="0"/>
+              <a:t>Scrivere un sottoprogramma che calcola la radice ennesima intera di un numero intero positivo. Il sottoprogramma prende come parametri il numero, il grado della radice, e una variabile, passata per indirizzo, in cui memorizzare la radice intera. Il sottoprogramma restituisce 1 se la radice intera è precisa, in alternativa 0. Scrivere un programma che utilizza tale sottoprogramma per calcolare la radice ennesima intera di un numero e di un grado chiesti all'utente, e ne visualizza il risultato. E’ consigliato sfruttare la funzione potenza definita per il punto precedente.</a:t>
+            </a:r>
+            <a:endParaRPr lang="it-IT" sz="1600" dirty="0"/>
           </a:p>
         </p:txBody>
       </p:sp>
@@ -3879,143 +3799,6 @@
     <p:extLst>
       <p:ext uri="{BB962C8B-B14F-4D97-AF65-F5344CB8AC3E}">
         <p14:creationId xmlns:p14="http://schemas.microsoft.com/office/powerpoint/2010/main" val="1040216435"/>
-      </p:ext>
-    </p:extLst>
-  </p:cSld>
-  <p:clrMapOvr>
-    <a:masterClrMapping/>
-  </p:clrMapOvr>
-</p:sld>
-</file>
-
-<file path=ppt/slides/slide4.xml><?xml version="1.0" encoding="utf-8"?>
-<p:sld xmlns:a="http://schemas.openxmlformats.org/drawingml/2006/main" xmlns:r="http://schemas.openxmlformats.org/officeDocument/2006/relationships" xmlns:p="http://schemas.openxmlformats.org/presentationml/2006/main">
-  <p:cSld>
-    <p:spTree>
-      <p:nvGrpSpPr>
-        <p:cNvPr id="1" name=""/>
-        <p:cNvGrpSpPr/>
-        <p:nvPr/>
-      </p:nvGrpSpPr>
-      <p:grpSpPr>
-        <a:xfrm>
-          <a:off x="0" y="0"/>
-          <a:ext cx="0" cy="0"/>
-          <a:chOff x="0" y="0"/>
-          <a:chExt cx="0" cy="0"/>
-        </a:xfrm>
-      </p:grpSpPr>
-      <p:sp>
-        <p:nvSpPr>
-          <p:cNvPr id="2" name="Titolo 1">
-            <a:extLst>
-              <a:ext uri="{FF2B5EF4-FFF2-40B4-BE49-F238E27FC236}">
-                <a16:creationId xmlns:a16="http://schemas.microsoft.com/office/drawing/2014/main" id="{4E31A0F4-9211-4B8B-A0F8-FF55EEEE3F72}"/>
-              </a:ext>
-            </a:extLst>
-          </p:cNvPr>
-          <p:cNvSpPr>
-            <a:spLocks noGrp="1"/>
-          </p:cNvSpPr>
-          <p:nvPr>
-            <p:ph type="title"/>
-          </p:nvPr>
-        </p:nvSpPr>
-        <p:spPr/>
-        <p:txBody>
-          <a:bodyPr/>
-          <a:lstStyle/>
-          <a:p>
-            <a:pPr algn="ctr"/>
-            <a:r>
-              <a:rPr lang="en-US" sz="5400" b="1" dirty="0">
-                <a:latin typeface="Amatic SC" panose="00000500000000000000" pitchFamily="2" charset="-79"/>
-                <a:cs typeface="Amatic SC" panose="00000500000000000000" pitchFamily="2" charset="-79"/>
-              </a:rPr>
-              <a:t>Some more exercises in C :)</a:t>
-            </a:r>
-            <a:endParaRPr lang="it-IT" sz="5400" b="1" dirty="0">
-              <a:latin typeface="Amatic SC" panose="00000500000000000000" pitchFamily="2" charset="-79"/>
-              <a:cs typeface="Amatic SC" panose="00000500000000000000" pitchFamily="2" charset="-79"/>
-            </a:endParaRPr>
-          </a:p>
-        </p:txBody>
-      </p:sp>
-      <p:sp>
-        <p:nvSpPr>
-          <p:cNvPr id="3" name="Segnaposto contenuto 2">
-            <a:extLst>
-              <a:ext uri="{FF2B5EF4-FFF2-40B4-BE49-F238E27FC236}">
-                <a16:creationId xmlns:a16="http://schemas.microsoft.com/office/drawing/2014/main" id="{3C234D2D-C611-473F-98A7-FBB5C10CB7C8}"/>
-              </a:ext>
-            </a:extLst>
-          </p:cNvPr>
-          <p:cNvSpPr>
-            <a:spLocks noGrp="1"/>
-          </p:cNvSpPr>
-          <p:nvPr>
-            <p:ph idx="1"/>
-          </p:nvPr>
-        </p:nvSpPr>
-        <p:spPr/>
-        <p:txBody>
-          <a:bodyPr>
-            <a:normAutofit/>
-          </a:bodyPr>
-          <a:lstStyle/>
-          <a:p>
-            <a:pPr marL="457200" indent="-457200">
-              <a:buFont typeface="+mj-lt"/>
-              <a:buAutoNum type="arabicPeriod" startAt="6"/>
-            </a:pPr>
-            <a:r>
-              <a:rPr lang="it-IT" sz="2000" dirty="0"/>
-              <a:t>Dato un array contenente una sequenza ordinata di interi ed allocato dinamicamente, si scriva una funzione C che ricevendo in ingresso l’array, la sua dimensione ed un intero, modifichi il vettore in questione inserendo il nuovo intero nella posizione corretta. Ad esempio, se il vettore v contiene gli interi 4 32 57 98 la funzione chiamata con i parametri v, 4, 50 dovrà modificare v in un vettore di 5 elementi contenente 4 32 50 57 98.</a:t>
-            </a:r>
-            <a:endParaRPr lang="it-IT" sz="1600" dirty="0"/>
-          </a:p>
-        </p:txBody>
-      </p:sp>
-      <p:pic>
-        <p:nvPicPr>
-          <p:cNvPr id="4" name="Immagine 3">
-            <a:extLst>
-              <a:ext uri="{FF2B5EF4-FFF2-40B4-BE49-F238E27FC236}">
-                <a16:creationId xmlns:a16="http://schemas.microsoft.com/office/drawing/2014/main" id="{F0E10D63-E4E1-4875-AE95-426E984BB3FE}"/>
-              </a:ext>
-            </a:extLst>
-          </p:cNvPr>
-          <p:cNvPicPr>
-            <a:picLocks noChangeAspect="1"/>
-          </p:cNvPicPr>
-          <p:nvPr/>
-        </p:nvPicPr>
-        <p:blipFill>
-          <a:blip r:embed="rId2">
-            <a:extLst>
-              <a:ext uri="{28A0092B-C50C-407E-A947-70E740481C1C}">
-                <a14:useLocalDpi xmlns:a14="http://schemas.microsoft.com/office/drawing/2010/main" val="0"/>
-              </a:ext>
-            </a:extLst>
-          </a:blip>
-          <a:stretch>
-            <a:fillRect/>
-          </a:stretch>
-        </p:blipFill>
-        <p:spPr>
-          <a:xfrm>
-            <a:off x="9441877" y="6129856"/>
-            <a:ext cx="2414146" cy="397754"/>
-          </a:xfrm>
-          <a:prstGeom prst="rect">
-            <a:avLst/>
-          </a:prstGeom>
-        </p:spPr>
-      </p:pic>
-    </p:spTree>
-    <p:extLst>
-      <p:ext uri="{BB962C8B-B14F-4D97-AF65-F5344CB8AC3E}">
-        <p14:creationId xmlns:p14="http://schemas.microsoft.com/office/powerpoint/2010/main" val="2478145348"/>
       </p:ext>
     </p:extLst>
   </p:cSld>
